--- a/Redux 2.pptx
+++ b/Redux 2.pptx
@@ -473,7 +473,7 @@
           <a:p>
             <a:fld id="{163E54BE-ADAA-43BF-9687-CF974CB4EB69}" type="datetimeFigureOut">
               <a:rPr lang="ru-RU" smtClean="0"/>
-              <a:t>03.08.2019</a:t>
+              <a:t>07.08.2019</a:t>
             </a:fld>
             <a:endParaRPr lang="ru-RU"/>
           </a:p>
@@ -27151,8 +27151,8 @@
           <a:lstStyle/>
           <a:p>
             <a:r>
-              <a:rPr lang="en-US" sz="9600" dirty="0"/>
-              <a:t>JavaScript Code Convention, Linters</a:t>
+              <a:rPr lang="en-US" sz="9600" dirty="0" err="1" smtClean="0"/>
+              <a:t>Redux</a:t>
             </a:r>
             <a:endParaRPr lang="ru-RU" sz="9600" dirty="0"/>
           </a:p>
@@ -28348,7 +28348,19 @@
             </a:pPr>
             <a:r>
               <a:rPr lang="en-US" dirty="0" smtClean="0"/>
-              <a:t>Types</a:t>
+              <a:t>What is </a:t>
+            </a:r>
+            <a:r>
+              <a:rPr lang="en-US" dirty="0" err="1" smtClean="0"/>
+              <a:t>Redux</a:t>
+            </a:r>
+            <a:r>
+              <a:rPr lang="en-US" dirty="0"/>
+              <a:t> </a:t>
+            </a:r>
+            <a:r>
+              <a:rPr lang="en-US" dirty="0" smtClean="0"/>
+              <a:t>?</a:t>
             </a:r>
           </a:p>
           <a:p>
@@ -28357,7 +28369,7 @@
             </a:pPr>
             <a:r>
               <a:rPr lang="en-US" dirty="0" smtClean="0"/>
-              <a:t>References</a:t>
+              <a:t>Store</a:t>
             </a:r>
           </a:p>
           <a:p>
@@ -28366,7 +28378,7 @@
             </a:pPr>
             <a:r>
               <a:rPr lang="en-US" dirty="0" smtClean="0"/>
-              <a:t>Objects</a:t>
+              <a:t>Actions</a:t>
             </a:r>
           </a:p>
           <a:p>
@@ -28375,271 +28387,13 @@
             </a:pPr>
             <a:r>
               <a:rPr lang="en-US" dirty="0" smtClean="0"/>
-              <a:t>Arrays</a:t>
+              <a:t>Reducers</a:t>
             </a:r>
           </a:p>
           <a:p>
             <a:pPr marL="457200" indent="-457200">
               <a:buAutoNum type="arabicPeriod"/>
             </a:pPr>
-            <a:r>
-              <a:rPr lang="en-US" dirty="0" smtClean="0"/>
-              <a:t>Strings</a:t>
-            </a:r>
-          </a:p>
-          <a:p>
-            <a:pPr marL="457200" indent="-457200">
-              <a:buAutoNum type="arabicPeriod"/>
-            </a:pPr>
-            <a:r>
-              <a:rPr lang="en-US" dirty="0" smtClean="0"/>
-              <a:t>Functions</a:t>
-            </a:r>
-          </a:p>
-          <a:p>
-            <a:pPr marL="457200" indent="-457200">
-              <a:buAutoNum type="arabicPeriod"/>
-            </a:pPr>
-            <a:r>
-              <a:rPr lang="en-US" dirty="0" smtClean="0"/>
-              <a:t>Classes</a:t>
-            </a:r>
-          </a:p>
-          <a:p>
-            <a:pPr marL="457200" indent="-457200">
-              <a:buAutoNum type="arabicPeriod"/>
-            </a:pPr>
-            <a:r>
-              <a:rPr lang="en-US" dirty="0" smtClean="0"/>
-              <a:t>Modules</a:t>
-            </a:r>
-          </a:p>
-          <a:p>
-            <a:pPr marL="457200" indent="-457200">
-              <a:buAutoNum type="arabicPeriod"/>
-            </a:pPr>
-            <a:r>
-              <a:rPr lang="en-US" dirty="0" smtClean="0"/>
-              <a:t>Properties</a:t>
-            </a:r>
-          </a:p>
-          <a:p>
-            <a:pPr marL="457200" indent="-457200">
-              <a:buAutoNum type="arabicPeriod"/>
-            </a:pPr>
-            <a:r>
-              <a:rPr lang="en-US" dirty="0" smtClean="0"/>
-              <a:t>Whitespaces</a:t>
-            </a:r>
-          </a:p>
-          <a:p>
-            <a:pPr marL="457200" indent="-457200">
-              <a:buAutoNum type="arabicPeriod"/>
-            </a:pPr>
-            <a:endParaRPr lang="en-US" dirty="0" smtClean="0"/>
-          </a:p>
-          <a:p>
-            <a:pPr marL="457200" indent="-457200">
-              <a:buAutoNum type="arabicPeriod"/>
-            </a:pPr>
-            <a:endParaRPr lang="en-US" dirty="0" smtClean="0"/>
-          </a:p>
-          <a:p>
-            <a:pPr marL="457200" indent="-457200">
-              <a:buAutoNum type="arabicPeriod"/>
-            </a:pPr>
-            <a:endParaRPr lang="ru-RU" dirty="0"/>
-          </a:p>
-        </p:txBody>
-      </p:sp>
-      <p:sp>
-        <p:nvSpPr>
-          <p:cNvPr id="4" name="Текст 2"/>
-          <p:cNvSpPr txBox="1">
-            <a:spLocks/>
-          </p:cNvSpPr>
-          <p:nvPr/>
-        </p:nvSpPr>
-        <p:spPr>
-          <a:xfrm>
-            <a:off x="4362798" y="1591887"/>
-            <a:ext cx="3113116" cy="4426528"/>
-          </a:xfrm>
-          <a:prstGeom prst="rect">
-            <a:avLst/>
-          </a:prstGeom>
-        </p:spPr>
-        <p:txBody>
-          <a:bodyPr lIns="0"/>
-          <a:lstStyle>
-            <a:lvl1pPr marL="0" indent="0" algn="l" defTabSz="914400" rtl="0" eaLnBrk="1" latinLnBrk="0" hangingPunct="1">
-              <a:lnSpc>
-                <a:spcPct val="100000"/>
-              </a:lnSpc>
-              <a:spcBef>
-                <a:spcPts val="1000"/>
-              </a:spcBef>
-              <a:buFont typeface="Arial" panose="020B0604020202020204" pitchFamily="34" charset="0"/>
-              <a:buNone/>
-              <a:defRPr sz="2000" kern="1200">
-                <a:solidFill>
-                  <a:schemeClr val="tx1"/>
-                </a:solidFill>
-                <a:latin typeface="Open Sans" panose="020B0606030504020204" pitchFamily="34" charset="0"/>
-                <a:ea typeface="Open Sans" panose="020B0606030504020204" pitchFamily="34" charset="0"/>
-                <a:cs typeface="Open Sans" panose="020B0606030504020204" pitchFamily="34" charset="0"/>
-              </a:defRPr>
-            </a:lvl1pPr>
-            <a:lvl2pPr marL="457200" indent="0" algn="l" defTabSz="914400" rtl="0" eaLnBrk="1" latinLnBrk="0" hangingPunct="1">
-              <a:lnSpc>
-                <a:spcPct val="90000"/>
-              </a:lnSpc>
-              <a:spcBef>
-                <a:spcPts val="500"/>
-              </a:spcBef>
-              <a:buFont typeface="Arial" panose="020B0604020202020204" pitchFamily="34" charset="0"/>
-              <a:buNone/>
-              <a:defRPr sz="1800" kern="1200">
-                <a:solidFill>
-                  <a:schemeClr val="tx1"/>
-                </a:solidFill>
-                <a:latin typeface="Open Sans" panose="020B0606030504020204" pitchFamily="34" charset="0"/>
-                <a:ea typeface="Open Sans" panose="020B0606030504020204" pitchFamily="34" charset="0"/>
-                <a:cs typeface="Open Sans" panose="020B0606030504020204" pitchFamily="34" charset="0"/>
-              </a:defRPr>
-            </a:lvl2pPr>
-            <a:lvl3pPr marL="914400" indent="0" algn="l" defTabSz="914400" rtl="0" eaLnBrk="1" latinLnBrk="0" hangingPunct="1">
-              <a:lnSpc>
-                <a:spcPct val="90000"/>
-              </a:lnSpc>
-              <a:spcBef>
-                <a:spcPts val="500"/>
-              </a:spcBef>
-              <a:buFont typeface="Arial" panose="020B0604020202020204" pitchFamily="34" charset="0"/>
-              <a:buNone/>
-              <a:defRPr sz="1600" kern="1200">
-                <a:solidFill>
-                  <a:schemeClr val="tx1"/>
-                </a:solidFill>
-                <a:latin typeface="Open Sans" panose="020B0606030504020204" pitchFamily="34" charset="0"/>
-                <a:ea typeface="Open Sans" panose="020B0606030504020204" pitchFamily="34" charset="0"/>
-                <a:cs typeface="Open Sans" panose="020B0606030504020204" pitchFamily="34" charset="0"/>
-              </a:defRPr>
-            </a:lvl3pPr>
-            <a:lvl4pPr marL="1371600" indent="0" algn="l" defTabSz="914400" rtl="0" eaLnBrk="1" latinLnBrk="0" hangingPunct="1">
-              <a:lnSpc>
-                <a:spcPct val="90000"/>
-              </a:lnSpc>
-              <a:spcBef>
-                <a:spcPts val="500"/>
-              </a:spcBef>
-              <a:buFont typeface="Arial" panose="020B0604020202020204" pitchFamily="34" charset="0"/>
-              <a:buNone/>
-              <a:defRPr sz="1400" kern="1200">
-                <a:solidFill>
-                  <a:schemeClr val="tx1"/>
-                </a:solidFill>
-                <a:latin typeface="Open Sans" panose="020B0606030504020204" pitchFamily="34" charset="0"/>
-                <a:ea typeface="Open Sans" panose="020B0606030504020204" pitchFamily="34" charset="0"/>
-                <a:cs typeface="Open Sans" panose="020B0606030504020204" pitchFamily="34" charset="0"/>
-              </a:defRPr>
-            </a:lvl4pPr>
-            <a:lvl5pPr marL="1828800" indent="0" algn="l" defTabSz="914400" rtl="0" eaLnBrk="1" latinLnBrk="0" hangingPunct="1">
-              <a:lnSpc>
-                <a:spcPct val="90000"/>
-              </a:lnSpc>
-              <a:spcBef>
-                <a:spcPts val="500"/>
-              </a:spcBef>
-              <a:buFont typeface="Arial" panose="020B0604020202020204" pitchFamily="34" charset="0"/>
-              <a:buNone/>
-              <a:defRPr sz="1200" kern="1200">
-                <a:solidFill>
-                  <a:schemeClr val="tx1"/>
-                </a:solidFill>
-                <a:latin typeface="Open Sans" panose="020B0606030504020204" pitchFamily="34" charset="0"/>
-                <a:ea typeface="Open Sans" panose="020B0606030504020204" pitchFamily="34" charset="0"/>
-                <a:cs typeface="Open Sans" panose="020B0606030504020204" pitchFamily="34" charset="0"/>
-              </a:defRPr>
-            </a:lvl5pPr>
-            <a:lvl6pPr marL="2514600" indent="-228600" algn="l" defTabSz="914400" rtl="0" eaLnBrk="1" latinLnBrk="0" hangingPunct="1">
-              <a:lnSpc>
-                <a:spcPct val="90000"/>
-              </a:lnSpc>
-              <a:spcBef>
-                <a:spcPts val="500"/>
-              </a:spcBef>
-              <a:buFont typeface="Arial" panose="020B0604020202020204" pitchFamily="34" charset="0"/>
-              <a:buChar char="•"/>
-              <a:defRPr sz="1800" kern="1200">
-                <a:solidFill>
-                  <a:schemeClr val="tx1"/>
-                </a:solidFill>
-                <a:latin typeface="+mn-lt"/>
-                <a:ea typeface="+mn-ea"/>
-                <a:cs typeface="+mn-cs"/>
-              </a:defRPr>
-            </a:lvl6pPr>
-            <a:lvl7pPr marL="2971800" indent="-228600" algn="l" defTabSz="914400" rtl="0" eaLnBrk="1" latinLnBrk="0" hangingPunct="1">
-              <a:lnSpc>
-                <a:spcPct val="90000"/>
-              </a:lnSpc>
-              <a:spcBef>
-                <a:spcPts val="500"/>
-              </a:spcBef>
-              <a:buFont typeface="Arial" panose="020B0604020202020204" pitchFamily="34" charset="0"/>
-              <a:buChar char="•"/>
-              <a:defRPr sz="1800" kern="1200">
-                <a:solidFill>
-                  <a:schemeClr val="tx1"/>
-                </a:solidFill>
-                <a:latin typeface="+mn-lt"/>
-                <a:ea typeface="+mn-ea"/>
-                <a:cs typeface="+mn-cs"/>
-              </a:defRPr>
-            </a:lvl7pPr>
-            <a:lvl8pPr marL="3429000" indent="-228600" algn="l" defTabSz="914400" rtl="0" eaLnBrk="1" latinLnBrk="0" hangingPunct="1">
-              <a:lnSpc>
-                <a:spcPct val="90000"/>
-              </a:lnSpc>
-              <a:spcBef>
-                <a:spcPts val="500"/>
-              </a:spcBef>
-              <a:buFont typeface="Arial" panose="020B0604020202020204" pitchFamily="34" charset="0"/>
-              <a:buChar char="•"/>
-              <a:defRPr sz="1800" kern="1200">
-                <a:solidFill>
-                  <a:schemeClr val="tx1"/>
-                </a:solidFill>
-                <a:latin typeface="+mn-lt"/>
-                <a:ea typeface="+mn-ea"/>
-                <a:cs typeface="+mn-cs"/>
-              </a:defRPr>
-            </a:lvl8pPr>
-            <a:lvl9pPr marL="3886200" indent="-228600" algn="l" defTabSz="914400" rtl="0" eaLnBrk="1" latinLnBrk="0" hangingPunct="1">
-              <a:lnSpc>
-                <a:spcPct val="90000"/>
-              </a:lnSpc>
-              <a:spcBef>
-                <a:spcPts val="500"/>
-              </a:spcBef>
-              <a:buFont typeface="Arial" panose="020B0604020202020204" pitchFamily="34" charset="0"/>
-              <a:buChar char="•"/>
-              <a:defRPr sz="1800" kern="1200">
-                <a:solidFill>
-                  <a:schemeClr val="tx1"/>
-                </a:solidFill>
-                <a:latin typeface="+mn-lt"/>
-                <a:ea typeface="+mn-ea"/>
-                <a:cs typeface="+mn-cs"/>
-              </a:defRPr>
-            </a:lvl9pPr>
-          </a:lstStyle>
-          <a:p>
-            <a:r>
-              <a:rPr lang="en-US" dirty="0" smtClean="0"/>
-              <a:t>Linters</a:t>
-            </a:r>
             <a:endParaRPr lang="ru-RU" dirty="0"/>
           </a:p>
         </p:txBody>
@@ -30846,14 +30600,6 @@
               </a:rPr>
               <a:t>source of truth</a:t>
             </a:r>
-            <a:endParaRPr lang="en-US" b="1" dirty="0">
-              <a:solidFill>
-                <a:srgbClr val="24292E"/>
-              </a:solidFill>
-              <a:latin typeface="Open Sans" panose="020B0604020202020204" charset="0"/>
-              <a:ea typeface="Open Sans" panose="020B0604020202020204" charset="0"/>
-              <a:cs typeface="Open Sans" panose="020B0604020202020204" charset="0"/>
-            </a:endParaRPr>
           </a:p>
         </p:txBody>
       </p:sp>
@@ -31642,14 +31388,6 @@
 </file>
 
 <file path=customXml/item1.xml><?xml version="1.0" encoding="utf-8"?>
-<p:properties xmlns:p="http://schemas.microsoft.com/office/2006/metadata/properties" xmlns:xsi="http://www.w3.org/2001/XMLSchema-instance" xmlns:pc="http://schemas.microsoft.com/office/infopath/2007/PartnerControls">
-  <documentManagement>
-    <_x041a__x043e__x043c__x0435__x0442__x0430__x0440_ xmlns="835f28f2-30f1-4728-84d2-86d96e143488" xsi:nil="true"/>
-  </documentManagement>
-</p:properties>
-</file>
-
-<file path=customXml/item2.xml><?xml version="1.0" encoding="utf-8"?>
 <ct:contentTypeSchema xmlns:ct="http://schemas.microsoft.com/office/2006/metadata/contentType" xmlns:ma="http://schemas.microsoft.com/office/2006/metadata/properties/metaAttributes" ct:_="" ma:_="" ma:contentTypeName="Документ" ma:contentTypeID="0x0101004195FC54A15F344D83577B1CDDD67A5D" ma:contentTypeVersion="9" ma:contentTypeDescription="Создание документа." ma:contentTypeScope="" ma:versionID="961ec8db58076c7d3e9f84b9cd82fd45">
   <xsd:schema xmlns:xsd="http://www.w3.org/2001/XMLSchema" xmlns:xs="http://www.w3.org/2001/XMLSchema" xmlns:p="http://schemas.microsoft.com/office/2006/metadata/properties" xmlns:ns2="341e6018-ac0a-4dfb-8409-db9e0d25502e" xmlns:ns3="835f28f2-30f1-4728-84d2-86d96e143488" targetNamespace="http://schemas.microsoft.com/office/2006/metadata/properties" ma:root="true" ma:fieldsID="bd9f0c80ada20ee560e77d723f3ef44e" ns2:_="" ns3:_="">
     <xsd:import namespace="341e6018-ac0a-4dfb-8409-db9e0d25502e"/>
@@ -31848,6 +31586,14 @@
 </ct:contentTypeSchema>
 </file>
 
+<file path=customXml/item2.xml><?xml version="1.0" encoding="utf-8"?>
+<p:properties xmlns:p="http://schemas.microsoft.com/office/2006/metadata/properties" xmlns:xsi="http://www.w3.org/2001/XMLSchema-instance" xmlns:pc="http://schemas.microsoft.com/office/infopath/2007/PartnerControls">
+  <documentManagement>
+    <_x041a__x043e__x043c__x0435__x0442__x0430__x0440_ xmlns="835f28f2-30f1-4728-84d2-86d96e143488" xsi:nil="true"/>
+  </documentManagement>
+</p:properties>
+</file>
+
 <file path=customXml/item3.xml><?xml version="1.0" encoding="utf-8"?>
 <?mso-contentType ?>
 <FormTemplates xmlns="http://schemas.microsoft.com/sharepoint/v3/contenttype/forms">
@@ -31858,23 +31604,6 @@
 </file>
 
 <file path=customXml/itemProps1.xml><?xml version="1.0" encoding="utf-8"?>
-<ds:datastoreItem xmlns:ds="http://schemas.openxmlformats.org/officeDocument/2006/customXml" ds:itemID="{B3A1340B-3A1B-4156-ADE3-51DF6C2C795D}">
-  <ds:schemaRefs>
-    <ds:schemaRef ds:uri="341e6018-ac0a-4dfb-8409-db9e0d25502e"/>
-    <ds:schemaRef ds:uri="http://purl.org/dc/dcmitype/"/>
-    <ds:schemaRef ds:uri="http://schemas.microsoft.com/office/2006/documentManagement/types"/>
-    <ds:schemaRef ds:uri="http://purl.org/dc/terms/"/>
-    <ds:schemaRef ds:uri="http://schemas.microsoft.com/office/infopath/2007/PartnerControls"/>
-    <ds:schemaRef ds:uri="http://purl.org/dc/elements/1.1/"/>
-    <ds:schemaRef ds:uri="835f28f2-30f1-4728-84d2-86d96e143488"/>
-    <ds:schemaRef ds:uri="http://schemas.openxmlformats.org/package/2006/metadata/core-properties"/>
-    <ds:schemaRef ds:uri="http://schemas.microsoft.com/office/2006/metadata/properties"/>
-    <ds:schemaRef ds:uri="http://www.w3.org/XML/1998/namespace"/>
-  </ds:schemaRefs>
-</ds:datastoreItem>
-</file>
-
-<file path=customXml/itemProps2.xml><?xml version="1.0" encoding="utf-8"?>
 <ds:datastoreItem xmlns:ds="http://schemas.openxmlformats.org/officeDocument/2006/customXml" ds:itemID="{CAFDAB34-20E1-438F-BCB2-ECDA5496F36D}">
   <ds:schemaRefs>
     <ds:schemaRef ds:uri="http://schemas.microsoft.com/office/2006/metadata/contentType"/>
@@ -31893,6 +31622,23 @@
 </ds:datastoreItem>
 </file>
 
+<file path=customXml/itemProps2.xml><?xml version="1.0" encoding="utf-8"?>
+<ds:datastoreItem xmlns:ds="http://schemas.openxmlformats.org/officeDocument/2006/customXml" ds:itemID="{B3A1340B-3A1B-4156-ADE3-51DF6C2C795D}">
+  <ds:schemaRefs>
+    <ds:schemaRef ds:uri="341e6018-ac0a-4dfb-8409-db9e0d25502e"/>
+    <ds:schemaRef ds:uri="http://purl.org/dc/dcmitype/"/>
+    <ds:schemaRef ds:uri="http://schemas.microsoft.com/office/2006/documentManagement/types"/>
+    <ds:schemaRef ds:uri="http://purl.org/dc/terms/"/>
+    <ds:schemaRef ds:uri="http://schemas.microsoft.com/office/infopath/2007/PartnerControls"/>
+    <ds:schemaRef ds:uri="http://purl.org/dc/elements/1.1/"/>
+    <ds:schemaRef ds:uri="835f28f2-30f1-4728-84d2-86d96e143488"/>
+    <ds:schemaRef ds:uri="http://schemas.openxmlformats.org/package/2006/metadata/core-properties"/>
+    <ds:schemaRef ds:uri="http://schemas.microsoft.com/office/2006/metadata/properties"/>
+    <ds:schemaRef ds:uri="http://www.w3.org/XML/1998/namespace"/>
+  </ds:schemaRefs>
+</ds:datastoreItem>
+</file>
+
 <file path=customXml/itemProps3.xml><?xml version="1.0" encoding="utf-8"?>
 <ds:datastoreItem xmlns:ds="http://schemas.openxmlformats.org/officeDocument/2006/customXml" ds:itemID="{296B3B9E-03D8-4766-BF45-6129617CF026}">
   <ds:schemaRefs>
